--- a/powerpoints/intro_python_3.pptx
+++ b/powerpoints/intro_python_3.pptx
@@ -296,7 +296,7 @@
           <a:p>
             <a:fld id="{846CE7D5-CF57-46EF-B807-FDD0502418D4}" type="datetimeFigureOut">
               <a:rPr lang="en-US" smtClean="0"/>
-              <a:t>1/30/24</a:t>
+              <a:t>2/2/24</a:t>
             </a:fld>
             <a:endParaRPr lang="en-US" dirty="0"/>
           </a:p>
@@ -466,7 +466,7 @@
           <a:p>
             <a:fld id="{846CE7D5-CF57-46EF-B807-FDD0502418D4}" type="datetimeFigureOut">
               <a:rPr lang="en-US" smtClean="0"/>
-              <a:t>1/30/24</a:t>
+              <a:t>2/2/24</a:t>
             </a:fld>
             <a:endParaRPr lang="en-US" dirty="0"/>
           </a:p>
@@ -646,7 +646,7 @@
           <a:p>
             <a:fld id="{846CE7D5-CF57-46EF-B807-FDD0502418D4}" type="datetimeFigureOut">
               <a:rPr lang="en-US" smtClean="0"/>
-              <a:t>1/30/24</a:t>
+              <a:t>2/2/24</a:t>
             </a:fld>
             <a:endParaRPr lang="en-US" dirty="0"/>
           </a:p>
@@ -2448,7 +2448,7 @@
           <a:p>
             <a:fld id="{846CE7D5-CF57-46EF-B807-FDD0502418D4}" type="datetimeFigureOut">
               <a:rPr lang="en-US" smtClean="0"/>
-              <a:t>1/30/24</a:t>
+              <a:t>2/2/24</a:t>
             </a:fld>
             <a:endParaRPr lang="en-US" dirty="0"/>
           </a:p>
@@ -2736,7 +2736,7 @@
           <a:p>
             <a:fld id="{846CE7D5-CF57-46EF-B807-FDD0502418D4}" type="datetimeFigureOut">
               <a:rPr lang="en-US" smtClean="0"/>
-              <a:t>1/30/24</a:t>
+              <a:t>2/2/24</a:t>
             </a:fld>
             <a:endParaRPr lang="en-US" dirty="0"/>
           </a:p>
@@ -2968,7 +2968,7 @@
           <a:p>
             <a:fld id="{846CE7D5-CF57-46EF-B807-FDD0502418D4}" type="datetimeFigureOut">
               <a:rPr lang="en-US" smtClean="0"/>
-              <a:t>1/30/24</a:t>
+              <a:t>2/2/24</a:t>
             </a:fld>
             <a:endParaRPr lang="en-US" dirty="0"/>
           </a:p>
@@ -3335,7 +3335,7 @@
           <a:p>
             <a:fld id="{846CE7D5-CF57-46EF-B807-FDD0502418D4}" type="datetimeFigureOut">
               <a:rPr lang="en-US" smtClean="0"/>
-              <a:t>1/30/24</a:t>
+              <a:t>2/2/24</a:t>
             </a:fld>
             <a:endParaRPr lang="en-US" dirty="0"/>
           </a:p>
@@ -3453,7 +3453,7 @@
           <a:p>
             <a:fld id="{846CE7D5-CF57-46EF-B807-FDD0502418D4}" type="datetimeFigureOut">
               <a:rPr lang="en-US" smtClean="0"/>
-              <a:t>1/30/24</a:t>
+              <a:t>2/2/24</a:t>
             </a:fld>
             <a:endParaRPr lang="en-US" dirty="0"/>
           </a:p>
@@ -3548,7 +3548,7 @@
           <a:p>
             <a:fld id="{846CE7D5-CF57-46EF-B807-FDD0502418D4}" type="datetimeFigureOut">
               <a:rPr lang="en-US" smtClean="0"/>
-              <a:t>1/30/24</a:t>
+              <a:t>2/2/24</a:t>
             </a:fld>
             <a:endParaRPr lang="en-US" dirty="0"/>
           </a:p>
@@ -3825,7 +3825,7 @@
           <a:p>
             <a:fld id="{846CE7D5-CF57-46EF-B807-FDD0502418D4}" type="datetimeFigureOut">
               <a:rPr lang="en-US" smtClean="0"/>
-              <a:t>1/30/24</a:t>
+              <a:t>2/2/24</a:t>
             </a:fld>
             <a:endParaRPr lang="en-US" dirty="0"/>
           </a:p>
@@ -4081,7 +4081,7 @@
           <a:p>
             <a:fld id="{846CE7D5-CF57-46EF-B807-FDD0502418D4}" type="datetimeFigureOut">
               <a:rPr lang="en-US" smtClean="0"/>
-              <a:t>1/30/24</a:t>
+              <a:t>2/2/24</a:t>
             </a:fld>
             <a:endParaRPr lang="en-US" dirty="0"/>
           </a:p>
@@ -4294,7 +4294,7 @@
           <a:p>
             <a:fld id="{846CE7D5-CF57-46EF-B807-FDD0502418D4}" type="datetimeFigureOut">
               <a:rPr lang="en-US" smtClean="0"/>
-              <a:t>1/30/24</a:t>
+              <a:t>2/2/24</a:t>
             </a:fld>
             <a:endParaRPr lang="en-US" dirty="0"/>
           </a:p>
@@ -10874,7 +10874,7 @@
                 <a:effectLst/>
                 <a:latin typeface="Menlo" panose="020B0609030804020204" pitchFamily="49" charset="0"/>
               </a:rPr>
-              <a:t>for y in sciences:</a:t>
+              <a:t>	for y in sciences:</a:t>
             </a:r>
           </a:p>
           <a:p>
@@ -10889,7 +10889,7 @@
                 <a:effectLst/>
                 <a:latin typeface="Menlo" panose="020B0609030804020204" pitchFamily="49" charset="0"/>
               </a:rPr>
-              <a:t>if </a:t>
+              <a:t>		if </a:t>
             </a:r>
             <a:r>
               <a:rPr lang="en-US" sz="2000" b="0" dirty="0" err="1">
@@ -10937,14 +10937,24 @@
               <a:buNone/>
             </a:pPr>
             <a:r>
-              <a:rPr lang="en-US" sz="2000" b="0" dirty="0">
+              <a:rPr lang="en-US" sz="2000" b="0">
                 <a:solidFill>
                   <a:schemeClr val="tx1"/>
                 </a:solidFill>
                 <a:effectLst/>
                 <a:latin typeface="Menlo" panose="020B0609030804020204" pitchFamily="49" charset="0"/>
               </a:rPr>
-              <a:t>print(x, y, "These words have the same number of letters!")</a:t>
+              <a:t>			print</a:t>
+            </a:r>
+            <a:r>
+              <a:rPr lang="en-US" sz="2000" b="0" dirty="0">
+                <a:solidFill>
+                  <a:schemeClr val="tx1"/>
+                </a:solidFill>
+                <a:effectLst/>
+                <a:latin typeface="Menlo" panose="020B0609030804020204" pitchFamily="49" charset="0"/>
+              </a:rPr>
+              <a:t>(x, y, "These words have the same number of letters!")</a:t>
             </a:r>
           </a:p>
           <a:p>
@@ -11451,8 +11461,8 @@
           </a:p>
         </p:txBody>
       </p:sp>
-      <mc:AlternateContent xmlns:mc="http://schemas.openxmlformats.org/markup-compatibility/2006">
-        <mc:Choice xmlns:p14="http://schemas.microsoft.com/office/powerpoint/2010/main" Requires="p14">
+      <mc:AlternateContent xmlns:mc="http://schemas.openxmlformats.org/markup-compatibility/2006" xmlns:p14="http://schemas.microsoft.com/office/powerpoint/2010/main">
+        <mc:Choice Requires="p14">
           <p:contentPart p14:bwMode="auto" r:id="rId3">
             <p14:nvContentPartPr>
               <p14:cNvPr id="8" name="Ink 7">
@@ -11471,7 +11481,7 @@
             </p14:xfrm>
           </p:contentPart>
         </mc:Choice>
-        <mc:Fallback>
+        <mc:Fallback xmlns="">
           <p:pic>
             <p:nvPicPr>
               <p:cNvPr id="8" name="Ink 7">
